--- a/Lectures/11 Visualization-Practice-D3.pptx
+++ b/Lectures/11 Visualization-Practice-D3.pptx
@@ -269,7 +269,7 @@
           <a:p>
             <a:fld id="{D3AAB66F-B1B7-D045-B4E8-4F60236F228D}" type="datetimeFigureOut">
               <a:rPr lang="en-US" smtClean="0"/>
-              <a:t>2/20/16</a:t>
+              <a:t>2/23/16</a:t>
             </a:fld>
             <a:endParaRPr lang="en-US"/>
           </a:p>
@@ -435,7 +435,7 @@
           <a:p>
             <a:fld id="{BCCF8E76-06A6-164E-A6FA-EC32C13EB232}" type="datetimeFigureOut">
               <a:rPr lang="en-US" smtClean="0"/>
-              <a:t>2/20/16</a:t>
+              <a:t>2/23/16</a:t>
             </a:fld>
             <a:endParaRPr lang="en-US"/>
           </a:p>
@@ -929,13 +929,13 @@
           <a:p>
             <a:r>
               <a:rPr lang="en-US"/>
-              <a:t>----- Meeting Notes (2/6/14 09:50) -----</a:t>
+              <a:t>----- Meeting Notes (2/23/16 10:22) -----</a:t>
             </a:r>
           </a:p>
           <a:p>
             <a:r>
               <a:rPr lang="en-US"/>
-              <a:t>change d.x to d.y in the second case </a:t>
+              <a:t>should say d.y  </a:t>
             </a:r>
           </a:p>
         </p:txBody>
@@ -957,7 +957,7 @@
           <a:p>
             <a:fld id="{FD66F34B-9C4D-8640-BB34-4C24A79C9FFB}" type="slidenum">
               <a:rPr lang="en-US" smtClean="0"/>
-              <a:t>38</a:t>
+              <a:t>37</a:t>
             </a:fld>
             <a:endParaRPr lang="en-US"/>
           </a:p>
@@ -966,7 +966,7 @@
     </p:spTree>
     <p:extLst>
       <p:ext uri="{BB962C8B-B14F-4D97-AF65-F5344CB8AC3E}">
-        <p14:creationId xmlns:p14="http://schemas.microsoft.com/office/powerpoint/2010/main" val="2661094606"/>
+        <p14:creationId xmlns:p14="http://schemas.microsoft.com/office/powerpoint/2010/main" val="2069616730"/>
       </p:ext>
     </p:extLst>
   </p:cSld>
@@ -1020,7 +1020,19 @@
           <a:bodyPr/>
           <a:lstStyle/>
           <a:p>
-            <a:endParaRPr lang="en-US" dirty="0"/>
+            <a:endParaRPr lang="en-US"/>
+          </a:p>
+          <a:p>
+            <a:r>
+              <a:rPr lang="en-US"/>
+              <a:t>----- Meeting Notes (2/6/14 09:50) -----</a:t>
+            </a:r>
+          </a:p>
+          <a:p>
+            <a:r>
+              <a:rPr lang="en-US"/>
+              <a:t>change d.x to d.y in the second case </a:t>
+            </a:r>
           </a:p>
         </p:txBody>
       </p:sp>
@@ -1041,7 +1053,7 @@
           <a:p>
             <a:fld id="{FD66F34B-9C4D-8640-BB34-4C24A79C9FFB}" type="slidenum">
               <a:rPr lang="en-US" smtClean="0"/>
-              <a:t>48</a:t>
+              <a:t>38</a:t>
             </a:fld>
             <a:endParaRPr lang="en-US"/>
           </a:p>
@@ -1050,7 +1062,7 @@
     </p:spTree>
     <p:extLst>
       <p:ext uri="{BB962C8B-B14F-4D97-AF65-F5344CB8AC3E}">
-        <p14:creationId xmlns:p14="http://schemas.microsoft.com/office/powerpoint/2010/main" val="2655607328"/>
+        <p14:creationId xmlns:p14="http://schemas.microsoft.com/office/powerpoint/2010/main" val="2661094606"/>
       </p:ext>
     </p:extLst>
   </p:cSld>
@@ -1104,23 +1116,6 @@
           <a:bodyPr/>
           <a:lstStyle/>
           <a:p>
-            <a:pPr marL="0" marR="0" indent="0" algn="l" defTabSz="457200" rtl="0" eaLnBrk="1" fontAlgn="auto" latinLnBrk="0" hangingPunct="1">
-              <a:lnSpc>
-                <a:spcPct val="100000"/>
-              </a:lnSpc>
-              <a:spcBef>
-                <a:spcPts val="0"/>
-              </a:spcBef>
-              <a:spcAft>
-                <a:spcPts val="0"/>
-              </a:spcAft>
-              <a:buClrTx/>
-              <a:buSzTx/>
-              <a:buFontTx/>
-              <a:buNone/>
-              <a:tabLst/>
-              <a:defRPr/>
-            </a:pPr>
             <a:endParaRPr lang="en-US" dirty="0"/>
           </a:p>
         </p:txBody>
@@ -1142,7 +1137,7 @@
           <a:p>
             <a:fld id="{FD66F34B-9C4D-8640-BB34-4C24A79C9FFB}" type="slidenum">
               <a:rPr lang="en-US" smtClean="0"/>
-              <a:t>54</a:t>
+              <a:t>48</a:t>
             </a:fld>
             <a:endParaRPr lang="en-US"/>
           </a:p>
@@ -1151,7 +1146,7 @@
     </p:spTree>
     <p:extLst>
       <p:ext uri="{BB962C8B-B14F-4D97-AF65-F5344CB8AC3E}">
-        <p14:creationId xmlns:p14="http://schemas.microsoft.com/office/powerpoint/2010/main" val="859244327"/>
+        <p14:creationId xmlns:p14="http://schemas.microsoft.com/office/powerpoint/2010/main" val="2655607328"/>
       </p:ext>
     </p:extLst>
   </p:cSld>
@@ -1243,7 +1238,7 @@
           <a:p>
             <a:fld id="{FD66F34B-9C4D-8640-BB34-4C24A79C9FFB}" type="slidenum">
               <a:rPr lang="en-US" smtClean="0"/>
-              <a:t>55</a:t>
+              <a:t>54</a:t>
             </a:fld>
             <a:endParaRPr lang="en-US"/>
           </a:p>
@@ -1344,7 +1339,7 @@
           <a:p>
             <a:fld id="{FD66F34B-9C4D-8640-BB34-4C24A79C9FFB}" type="slidenum">
               <a:rPr lang="en-US" smtClean="0"/>
-              <a:t>56</a:t>
+              <a:t>55</a:t>
             </a:fld>
             <a:endParaRPr lang="en-US"/>
           </a:p>
@@ -1445,7 +1440,7 @@
           <a:p>
             <a:fld id="{FD66F34B-9C4D-8640-BB34-4C24A79C9FFB}" type="slidenum">
               <a:rPr lang="en-US" smtClean="0"/>
-              <a:t>57</a:t>
+              <a:t>56</a:t>
             </a:fld>
             <a:endParaRPr lang="en-US"/>
           </a:p>
@@ -1525,73 +1520,7 @@
               <a:tabLst/>
               <a:defRPr/>
             </a:pPr>
-            <a:r>
-              <a:rPr lang="en-US" dirty="0" smtClean="0"/>
-              <a:t> // we add a new array (</a:t>
-            </a:r>
-            <a:r>
-              <a:rPr lang="en-US" dirty="0" err="1" smtClean="0"/>
-              <a:t>d.outcomes</a:t>
-            </a:r>
-            <a:r>
-              <a:rPr lang="en-US" dirty="0" smtClean="0"/>
-              <a:t>) with information about every sub-bar's </a:t>
-            </a:r>
-          </a:p>
-          <a:p>
-            <a:pPr marL="0" indent="0">
-              <a:buNone/>
-            </a:pPr>
-            <a:r>
-              <a:rPr lang="en-US" sz="1200" dirty="0" smtClean="0"/>
-              <a:t>// y0 and y1 position for that age; and a new value (</a:t>
-            </a:r>
-            <a:r>
-              <a:rPr lang="en-US" sz="1200" dirty="0" err="1" smtClean="0"/>
-              <a:t>d.total</a:t>
-            </a:r>
-            <a:r>
-              <a:rPr lang="en-US" sz="1200" dirty="0" smtClean="0"/>
-              <a:t>) with </a:t>
-            </a:r>
-          </a:p>
-          <a:p>
-            <a:pPr marL="0" indent="0">
-              <a:buNone/>
-            </a:pPr>
-            <a:r>
-              <a:rPr lang="en-US" sz="1200" dirty="0" smtClean="0"/>
-              <a:t>       // information about the total height of the stacked bar</a:t>
-            </a:r>
-          </a:p>
-          <a:p>
-            <a:pPr marL="0" indent="0">
-              <a:buNone/>
-            </a:pPr>
-            <a:endParaRPr lang="en-US" sz="1200" dirty="0" smtClean="0"/>
-          </a:p>
-          <a:p>
-            <a:pPr marL="0" indent="0">
-              <a:buNone/>
-            </a:pPr>
-            <a:r>
-              <a:rPr lang="en-US" sz="1200" dirty="0" smtClean="0"/>
-              <a:t> // y labels. This runs function(name) once for each y label (name is the current label)</a:t>
-            </a:r>
-          </a:p>
-          <a:p>
-            <a:pPr marL="0" indent="0">
-              <a:buNone/>
-            </a:pPr>
-            <a:r>
-              <a:rPr lang="en-US" sz="1200" dirty="0" smtClean="0"/>
-              <a:t>         // and stores each resulting dictionary in the array </a:t>
-            </a:r>
-            <a:r>
-              <a:rPr lang="en-US" sz="1200" smtClean="0"/>
-              <a:t>d.outcomes</a:t>
-            </a:r>
-            <a:endParaRPr lang="en-US"/>
+            <a:endParaRPr lang="en-US" dirty="0"/>
           </a:p>
         </p:txBody>
       </p:sp>
@@ -1612,7 +1541,7 @@
           <a:p>
             <a:fld id="{FD66F34B-9C4D-8640-BB34-4C24A79C9FFB}" type="slidenum">
               <a:rPr lang="en-US" smtClean="0"/>
-              <a:t>58</a:t>
+              <a:t>57</a:t>
             </a:fld>
             <a:endParaRPr lang="en-US"/>
           </a:p>
@@ -1692,7 +1621,73 @@
               <a:tabLst/>
               <a:defRPr/>
             </a:pPr>
-            <a:endParaRPr lang="en-US" dirty="0"/>
+            <a:r>
+              <a:rPr lang="en-US" dirty="0" smtClean="0"/>
+              <a:t> // we add a new array (</a:t>
+            </a:r>
+            <a:r>
+              <a:rPr lang="en-US" dirty="0" err="1" smtClean="0"/>
+              <a:t>d.outcomes</a:t>
+            </a:r>
+            <a:r>
+              <a:rPr lang="en-US" dirty="0" smtClean="0"/>
+              <a:t>) with information about every sub-bar's </a:t>
+            </a:r>
+          </a:p>
+          <a:p>
+            <a:pPr marL="0" indent="0">
+              <a:buNone/>
+            </a:pPr>
+            <a:r>
+              <a:rPr lang="en-US" sz="1200" dirty="0" smtClean="0"/>
+              <a:t>// y0 and y1 position for that age; and a new value (</a:t>
+            </a:r>
+            <a:r>
+              <a:rPr lang="en-US" sz="1200" dirty="0" err="1" smtClean="0"/>
+              <a:t>d.total</a:t>
+            </a:r>
+            <a:r>
+              <a:rPr lang="en-US" sz="1200" dirty="0" smtClean="0"/>
+              <a:t>) with </a:t>
+            </a:r>
+          </a:p>
+          <a:p>
+            <a:pPr marL="0" indent="0">
+              <a:buNone/>
+            </a:pPr>
+            <a:r>
+              <a:rPr lang="en-US" sz="1200" dirty="0" smtClean="0"/>
+              <a:t>       // information about the total height of the stacked bar</a:t>
+            </a:r>
+          </a:p>
+          <a:p>
+            <a:pPr marL="0" indent="0">
+              <a:buNone/>
+            </a:pPr>
+            <a:endParaRPr lang="en-US" sz="1200" dirty="0" smtClean="0"/>
+          </a:p>
+          <a:p>
+            <a:pPr marL="0" indent="0">
+              <a:buNone/>
+            </a:pPr>
+            <a:r>
+              <a:rPr lang="en-US" sz="1200" dirty="0" smtClean="0"/>
+              <a:t> // y labels. This runs function(name) once for each y label (name is the current label)</a:t>
+            </a:r>
+          </a:p>
+          <a:p>
+            <a:pPr marL="0" indent="0">
+              <a:buNone/>
+            </a:pPr>
+            <a:r>
+              <a:rPr lang="en-US" sz="1200" dirty="0" smtClean="0"/>
+              <a:t>         // and stores each resulting dictionary in the array </a:t>
+            </a:r>
+            <a:r>
+              <a:rPr lang="en-US" sz="1200" smtClean="0"/>
+              <a:t>d.outcomes</a:t>
+            </a:r>
+            <a:endParaRPr lang="en-US"/>
           </a:p>
         </p:txBody>
       </p:sp>
@@ -1713,7 +1708,7 @@
           <a:p>
             <a:fld id="{FD66F34B-9C4D-8640-BB34-4C24A79C9FFB}" type="slidenum">
               <a:rPr lang="en-US" smtClean="0"/>
-              <a:t>59</a:t>
+              <a:t>58</a:t>
             </a:fld>
             <a:endParaRPr lang="en-US"/>
           </a:p>
@@ -1814,7 +1809,7 @@
           <a:p>
             <a:fld id="{FD66F34B-9C4D-8640-BB34-4C24A79C9FFB}" type="slidenum">
               <a:rPr lang="en-US" smtClean="0"/>
-              <a:t>60</a:t>
+              <a:t>59</a:t>
             </a:fld>
             <a:endParaRPr lang="en-US"/>
           </a:p>
@@ -1922,6 +1917,107 @@
 </file>
 
 <file path=ppt/notesSlides/notesSlide20.xml><?xml version="1.0" encoding="utf-8"?>
+<p:notes xmlns:a="http://schemas.openxmlformats.org/drawingml/2006/main" xmlns:r="http://schemas.openxmlformats.org/officeDocument/2006/relationships" xmlns:p="http://schemas.openxmlformats.org/presentationml/2006/main">
+  <p:cSld>
+    <p:spTree>
+      <p:nvGrpSpPr>
+        <p:cNvPr id="1" name=""/>
+        <p:cNvGrpSpPr/>
+        <p:nvPr/>
+      </p:nvGrpSpPr>
+      <p:grpSpPr>
+        <a:xfrm>
+          <a:off x="0" y="0"/>
+          <a:ext cx="0" cy="0"/>
+          <a:chOff x="0" y="0"/>
+          <a:chExt cx="0" cy="0"/>
+        </a:xfrm>
+      </p:grpSpPr>
+      <p:sp>
+        <p:nvSpPr>
+          <p:cNvPr id="2" name="Slide Image Placeholder 1"/>
+          <p:cNvSpPr>
+            <a:spLocks noGrp="1" noRot="1" noChangeAspect="1"/>
+          </p:cNvSpPr>
+          <p:nvPr>
+            <p:ph type="sldImg"/>
+          </p:nvPr>
+        </p:nvSpPr>
+        <p:spPr/>
+      </p:sp>
+      <p:sp>
+        <p:nvSpPr>
+          <p:cNvPr id="3" name="Notes Placeholder 2"/>
+          <p:cNvSpPr>
+            <a:spLocks noGrp="1"/>
+          </p:cNvSpPr>
+          <p:nvPr>
+            <p:ph type="body" idx="1"/>
+          </p:nvPr>
+        </p:nvSpPr>
+        <p:spPr/>
+        <p:txBody>
+          <a:bodyPr/>
+          <a:lstStyle/>
+          <a:p>
+            <a:pPr marL="0" marR="0" indent="0" algn="l" defTabSz="457200" rtl="0" eaLnBrk="1" fontAlgn="auto" latinLnBrk="0" hangingPunct="1">
+              <a:lnSpc>
+                <a:spcPct val="100000"/>
+              </a:lnSpc>
+              <a:spcBef>
+                <a:spcPts val="0"/>
+              </a:spcBef>
+              <a:spcAft>
+                <a:spcPts val="0"/>
+              </a:spcAft>
+              <a:buClrTx/>
+              <a:buSzTx/>
+              <a:buFontTx/>
+              <a:buNone/>
+              <a:tabLst/>
+              <a:defRPr/>
+            </a:pPr>
+            <a:endParaRPr lang="en-US" dirty="0"/>
+          </a:p>
+        </p:txBody>
+      </p:sp>
+      <p:sp>
+        <p:nvSpPr>
+          <p:cNvPr id="4" name="Slide Number Placeholder 3"/>
+          <p:cNvSpPr>
+            <a:spLocks noGrp="1"/>
+          </p:cNvSpPr>
+          <p:nvPr>
+            <p:ph type="sldNum" sz="quarter" idx="10"/>
+          </p:nvPr>
+        </p:nvSpPr>
+        <p:spPr/>
+        <p:txBody>
+          <a:bodyPr/>
+          <a:lstStyle/>
+          <a:p>
+            <a:fld id="{FD66F34B-9C4D-8640-BB34-4C24A79C9FFB}" type="slidenum">
+              <a:rPr lang="en-US" smtClean="0"/>
+              <a:t>60</a:t>
+            </a:fld>
+            <a:endParaRPr lang="en-US"/>
+          </a:p>
+        </p:txBody>
+      </p:sp>
+    </p:spTree>
+    <p:extLst>
+      <p:ext uri="{BB962C8B-B14F-4D97-AF65-F5344CB8AC3E}">
+        <p14:creationId xmlns:p14="http://schemas.microsoft.com/office/powerpoint/2010/main" val="859244327"/>
+      </p:ext>
+    </p:extLst>
+  </p:cSld>
+  <p:clrMapOvr>
+    <a:masterClrMapping/>
+  </p:clrMapOvr>
+</p:notes>
+</file>
+
+<file path=ppt/notesSlides/notesSlide21.xml><?xml version="1.0" encoding="utf-8"?>
 <p:notes xmlns:a="http://schemas.openxmlformats.org/drawingml/2006/main" xmlns:r="http://schemas.openxmlformats.org/officeDocument/2006/relationships" xmlns:p="http://schemas.openxmlformats.org/presentationml/2006/main">
   <p:cSld>
     <p:spTree>
@@ -3147,7 +3243,7 @@
             <a:fld id="{FA3C144B-2939-9A49-B014-915EC3E81866}" type="datetime1">
               <a:rPr lang="en-US" smtClean="0"/>
               <a:pPr/>
-              <a:t>2/20/16</a:t>
+              <a:t>2/23/16</a:t>
             </a:fld>
             <a:endParaRPr lang="en-US" dirty="0"/>
           </a:p>
@@ -3576,7 +3672,7 @@
           <a:p>
             <a:fld id="{76838339-A875-5E45-AB3F-AAABD270346A}" type="datetime1">
               <a:rPr lang="en-US" smtClean="0"/>
-              <a:t>2/20/16</a:t>
+              <a:t>2/23/16</a:t>
             </a:fld>
             <a:endParaRPr lang="en-US"/>
           </a:p>
@@ -3862,7 +3958,7 @@
             <a:fld id="{FA3C144B-2939-9A49-B014-915EC3E81866}" type="datetime1">
               <a:rPr lang="en-US" smtClean="0"/>
               <a:pPr/>
-              <a:t>2/20/16</a:t>
+              <a:t>2/23/16</a:t>
             </a:fld>
             <a:endParaRPr lang="en-US" dirty="0"/>
           </a:p>
@@ -4344,7 +4440,7 @@
           <a:p>
             <a:fld id="{A73F672F-A5FB-5745-934A-1BF51CA5539C}" type="datetime1">
               <a:rPr lang="en-US" smtClean="0"/>
-              <a:t>2/20/16</a:t>
+              <a:t>2/23/16</a:t>
             </a:fld>
             <a:endParaRPr lang="en-US"/>
           </a:p>
@@ -4686,7 +4782,7 @@
             <a:fld id="{FA3C144B-2939-9A49-B014-915EC3E81866}" type="datetime1">
               <a:rPr lang="en-US" smtClean="0"/>
               <a:pPr/>
-              <a:t>2/20/16</a:t>
+              <a:t>2/23/16</a:t>
             </a:fld>
             <a:endParaRPr lang="en-US" dirty="0"/>
           </a:p>
@@ -5150,7 +5246,7 @@
           <a:p>
             <a:fld id="{6AFE6A63-5EBE-3E48-B0AE-DF655A1ECE76}" type="datetime1">
               <a:rPr lang="en-US" smtClean="0"/>
-              <a:t>2/20/16</a:t>
+              <a:t>2/23/16</a:t>
             </a:fld>
             <a:endParaRPr lang="en-US"/>
           </a:p>
@@ -5469,7 +5565,7 @@
           <a:p>
             <a:fld id="{4A019F0C-9D18-B54A-9AC9-18AA74EDB034}" type="datetime1">
               <a:rPr lang="en-US" smtClean="0"/>
-              <a:t>2/20/16</a:t>
+              <a:t>2/23/16</a:t>
             </a:fld>
             <a:endParaRPr lang="en-US"/>
           </a:p>
@@ -5779,7 +5875,7 @@
             <a:fld id="{FA3C144B-2939-9A49-B014-915EC3E81866}" type="datetime1">
               <a:rPr lang="en-US" smtClean="0"/>
               <a:pPr/>
-              <a:t>2/20/16</a:t>
+              <a:t>2/23/16</a:t>
             </a:fld>
             <a:endParaRPr lang="en-US" dirty="0"/>
           </a:p>
@@ -6042,7 +6138,7 @@
           <a:p>
             <a:fld id="{FA3C144B-2939-9A49-B014-915EC3E81866}" type="datetime1">
               <a:rPr lang="en-US" smtClean="0"/>
-              <a:t>2/20/16</a:t>
+              <a:t>2/23/16</a:t>
             </a:fld>
             <a:endParaRPr lang="en-US" dirty="0"/>
           </a:p>
@@ -6410,7 +6506,7 @@
           <a:p>
             <a:fld id="{7053BEFA-1175-F644-B249-7D41D72BD3FF}" type="datetime1">
               <a:rPr lang="en-US" smtClean="0"/>
-              <a:t>2/20/16</a:t>
+              <a:t>2/23/16</a:t>
             </a:fld>
             <a:endParaRPr lang="en-US"/>
           </a:p>
@@ -6529,7 +6625,7 @@
             <a:fld id="{FA3C144B-2939-9A49-B014-915EC3E81866}" type="datetime1">
               <a:rPr lang="en-US" smtClean="0"/>
               <a:pPr/>
-              <a:t>2/20/16</a:t>
+              <a:t>2/23/16</a:t>
             </a:fld>
             <a:endParaRPr lang="en-US" dirty="0"/>
           </a:p>
@@ -6746,7 +6842,7 @@
             <a:fld id="{FA3C144B-2939-9A49-B014-915EC3E81866}" type="datetime1">
               <a:rPr lang="en-US" smtClean="0"/>
               <a:pPr/>
-              <a:t>2/20/16</a:t>
+              <a:t>2/23/16</a:t>
             </a:fld>
             <a:endParaRPr lang="en-US" dirty="0"/>
           </a:p>
@@ -6991,7 +7087,7 @@
             <a:fld id="{FA3C144B-2939-9A49-B014-915EC3E81866}" type="datetime1">
               <a:rPr lang="en-US" smtClean="0"/>
               <a:pPr/>
-              <a:t>2/20/16</a:t>
+              <a:t>2/23/16</a:t>
             </a:fld>
             <a:endParaRPr lang="en-US" dirty="0"/>
           </a:p>
@@ -7369,7 +7465,7 @@
           <a:p>
             <a:fld id="{111EEF3B-ABF2-AA4E-9E24-0C6256942674}" type="datetime1">
               <a:rPr lang="en-US" smtClean="0"/>
-              <a:t>2/20/16</a:t>
+              <a:t>2/23/16</a:t>
             </a:fld>
             <a:endParaRPr lang="en-US"/>
           </a:p>
@@ -7533,7 +7629,7 @@
             <a:fld id="{FA3C144B-2939-9A49-B014-915EC3E81866}" type="datetime1">
               <a:rPr lang="en-US" smtClean="0"/>
               <a:pPr/>
-              <a:t>2/20/16</a:t>
+              <a:t>2/23/16</a:t>
             </a:fld>
             <a:endParaRPr lang="en-US" dirty="0"/>
           </a:p>
@@ -7950,7 +8046,7 @@
             <a:fld id="{FA3C144B-2939-9A49-B014-915EC3E81866}" type="datetime1">
               <a:rPr lang="en-US" smtClean="0"/>
               <a:pPr/>
-              <a:t>2/20/16</a:t>
+              <a:t>2/23/16</a:t>
             </a:fld>
             <a:endParaRPr lang="en-US" dirty="0"/>
           </a:p>
@@ -8266,7 +8362,7 @@
             <a:fld id="{FA3C144B-2939-9A49-B014-915EC3E81866}" type="datetime1">
               <a:rPr lang="en-US" smtClean="0"/>
               <a:pPr/>
-              <a:t>2/20/16</a:t>
+              <a:t>2/23/16</a:t>
             </a:fld>
             <a:endParaRPr lang="en-US" dirty="0"/>
           </a:p>
@@ -8932,7 +9028,7 @@
             <a:fld id="{FA3C144B-2939-9A49-B014-915EC3E81866}" type="datetime1">
               <a:rPr lang="en-US" smtClean="0"/>
               <a:pPr/>
-              <a:t>2/20/16</a:t>
+              <a:t>2/23/16</a:t>
             </a:fld>
             <a:endParaRPr lang="en-US" dirty="0"/>
           </a:p>
@@ -10377,7 +10473,7 @@
           <a:p>
             <a:fld id="{7053BEFA-1175-F644-B249-7D41D72BD3FF}" type="datetime1">
               <a:rPr lang="en-US" smtClean="0"/>
-              <a:t>2/20/16</a:t>
+              <a:t>2/23/16</a:t>
             </a:fld>
             <a:endParaRPr lang="en-US"/>
           </a:p>
@@ -10786,7 +10882,7 @@
           <a:p>
             <a:fld id="{7053BEFA-1175-F644-B249-7D41D72BD3FF}" type="datetime1">
               <a:rPr lang="en-US" smtClean="0"/>
-              <a:t>2/20/16</a:t>
+              <a:t>2/23/16</a:t>
             </a:fld>
             <a:endParaRPr lang="en-US"/>
           </a:p>
@@ -10888,11 +10984,7 @@
           <a:p>
             <a:r>
               <a:rPr lang="en-US" dirty="0" smtClean="0"/>
-              <a:t>Example use of CSS </a:t>
-            </a:r>
-            <a:r>
-              <a:rPr lang="en-US" dirty="0" smtClean="0"/>
-              <a:t>in Byte</a:t>
+              <a:t>Example use of CSS in Byte</a:t>
             </a:r>
             <a:endParaRPr lang="en-US" dirty="0"/>
           </a:p>
@@ -10992,7 +11084,7 @@
           <a:p>
             <a:fld id="{7053BEFA-1175-F644-B249-7D41D72BD3FF}" type="datetime1">
               <a:rPr lang="en-US" smtClean="0"/>
-              <a:t>2/21/16</a:t>
+              <a:t>2/23/16</a:t>
             </a:fld>
             <a:endParaRPr lang="en-US"/>
           </a:p>
@@ -11288,7 +11380,7 @@
           <a:p>
             <a:fld id="{7053BEFA-1175-F644-B249-7D41D72BD3FF}" type="datetime1">
               <a:rPr lang="en-US" smtClean="0"/>
-              <a:t>2/20/16</a:t>
+              <a:t>2/23/16</a:t>
             </a:fld>
             <a:endParaRPr lang="en-US"/>
           </a:p>
@@ -11823,7 +11915,7 @@
           <a:p>
             <a:fld id="{7053BEFA-1175-F644-B249-7D41D72BD3FF}" type="datetime1">
               <a:rPr lang="en-US" smtClean="0"/>
-              <a:t>2/20/16</a:t>
+              <a:t>2/23/16</a:t>
             </a:fld>
             <a:endParaRPr lang="en-US"/>
           </a:p>
@@ -12051,7 +12143,7 @@
           <a:p>
             <a:fld id="{7053BEFA-1175-F644-B249-7D41D72BD3FF}" type="datetime1">
               <a:rPr lang="en-US" smtClean="0"/>
-              <a:t>2/20/16</a:t>
+              <a:t>2/23/16</a:t>
             </a:fld>
             <a:endParaRPr lang="en-US"/>
           </a:p>
@@ -12273,7 +12365,7 @@
           <a:p>
             <a:fld id="{7053BEFA-1175-F644-B249-7D41D72BD3FF}" type="datetime1">
               <a:rPr lang="en-US" smtClean="0"/>
-              <a:t>2/20/16</a:t>
+              <a:t>2/23/16</a:t>
             </a:fld>
             <a:endParaRPr lang="en-US"/>
           </a:p>
@@ -12653,7 +12745,7 @@
           <a:p>
             <a:fld id="{7053BEFA-1175-F644-B249-7D41D72BD3FF}" type="datetime1">
               <a:rPr lang="en-US" smtClean="0"/>
-              <a:t>2/20/16</a:t>
+              <a:t>2/23/16</a:t>
             </a:fld>
             <a:endParaRPr lang="en-US"/>
           </a:p>
@@ -12994,7 +13086,7 @@
           <a:p>
             <a:fld id="{7053BEFA-1175-F644-B249-7D41D72BD3FF}" type="datetime1">
               <a:rPr lang="en-US" smtClean="0"/>
-              <a:t>2/20/16</a:t>
+              <a:t>2/23/16</a:t>
             </a:fld>
             <a:endParaRPr lang="en-US"/>
           </a:p>
@@ -13253,7 +13345,7 @@
           <a:p>
             <a:fld id="{7053BEFA-1175-F644-B249-7D41D72BD3FF}" type="datetime1">
               <a:rPr lang="en-US" smtClean="0"/>
-              <a:t>2/20/16</a:t>
+              <a:t>2/23/16</a:t>
             </a:fld>
             <a:endParaRPr lang="en-US"/>
           </a:p>
@@ -13397,7 +13489,7 @@
           <a:p>
             <a:fld id="{7053BEFA-1175-F644-B249-7D41D72BD3FF}" type="datetime1">
               <a:rPr lang="en-US" smtClean="0"/>
-              <a:t>2/20/16</a:t>
+              <a:t>2/23/16</a:t>
             </a:fld>
             <a:endParaRPr lang="en-US"/>
           </a:p>
@@ -14122,7 +14214,7 @@
           <a:p>
             <a:fld id="{7053BEFA-1175-F644-B249-7D41D72BD3FF}" type="datetime1">
               <a:rPr lang="en-US" smtClean="0"/>
-              <a:t>2/20/16</a:t>
+              <a:t>2/23/16</a:t>
             </a:fld>
             <a:endParaRPr lang="en-US"/>
           </a:p>
@@ -14364,7 +14456,7 @@
           <a:p>
             <a:fld id="{7053BEFA-1175-F644-B249-7D41D72BD3FF}" type="datetime1">
               <a:rPr lang="en-US" smtClean="0"/>
-              <a:t>2/20/16</a:t>
+              <a:t>2/23/16</a:t>
             </a:fld>
             <a:endParaRPr lang="en-US"/>
           </a:p>
@@ -14508,7 +14600,7 @@
           <a:p>
             <a:fld id="{7053BEFA-1175-F644-B249-7D41D72BD3FF}" type="datetime1">
               <a:rPr lang="en-US" smtClean="0"/>
-              <a:t>2/20/16</a:t>
+              <a:t>2/23/16</a:t>
             </a:fld>
             <a:endParaRPr lang="en-US"/>
           </a:p>
@@ -15315,7 +15407,7 @@
           <a:p>
             <a:fld id="{7053BEFA-1175-F644-B249-7D41D72BD3FF}" type="datetime1">
               <a:rPr lang="en-US" smtClean="0"/>
-              <a:t>2/20/16</a:t>
+              <a:t>2/23/16</a:t>
             </a:fld>
             <a:endParaRPr lang="en-US"/>
           </a:p>
@@ -15519,7 +15611,7 @@
           <a:p>
             <a:fld id="{7053BEFA-1175-F644-B249-7D41D72BD3FF}" type="datetime1">
               <a:rPr lang="en-US" smtClean="0"/>
-              <a:t>2/20/16</a:t>
+              <a:t>2/23/16</a:t>
             </a:fld>
             <a:endParaRPr lang="en-US"/>
           </a:p>
@@ -15887,7 +15979,7 @@
           <a:p>
             <a:fld id="{7053BEFA-1175-F644-B249-7D41D72BD3FF}" type="datetime1">
               <a:rPr lang="en-US" smtClean="0"/>
-              <a:t>2/20/16</a:t>
+              <a:t>2/23/16</a:t>
             </a:fld>
             <a:endParaRPr lang="en-US"/>
           </a:p>
@@ -16255,7 +16347,7 @@
           <a:p>
             <a:fld id="{7053BEFA-1175-F644-B249-7D41D72BD3FF}" type="datetime1">
               <a:rPr lang="en-US" smtClean="0"/>
-              <a:t>2/20/16</a:t>
+              <a:t>2/23/16</a:t>
             </a:fld>
             <a:endParaRPr lang="en-US"/>
           </a:p>
@@ -16420,6 +16512,13 @@
   <p:clrMapOvr>
     <a:masterClrMapping/>
   </p:clrMapOvr>
+  <p:timing>
+    <p:tnLst>
+      <p:par>
+        <p:cTn xmlns:p14="http://schemas.microsoft.com/office/powerpoint/2010/main" id="1" dur="indefinite" restart="never" nodeType="tmRoot"/>
+      </p:par>
+    </p:tnLst>
+  </p:timing>
 </p:sld>
 </file>
 
@@ -16576,7 +16675,7 @@
           <a:p>
             <a:fld id="{7053BEFA-1175-F644-B249-7D41D72BD3FF}" type="datetime1">
               <a:rPr lang="en-US" smtClean="0"/>
-              <a:t>2/20/16</a:t>
+              <a:t>2/23/16</a:t>
             </a:fld>
             <a:endParaRPr lang="en-US"/>
           </a:p>
@@ -16634,6 +16733,13 @@
   <p:clrMapOvr>
     <a:masterClrMapping/>
   </p:clrMapOvr>
+  <p:timing>
+    <p:tnLst>
+      <p:par>
+        <p:cTn xmlns:p14="http://schemas.microsoft.com/office/powerpoint/2010/main" id="1" dur="indefinite" restart="never" nodeType="tmRoot"/>
+      </p:par>
+    </p:tnLst>
+  </p:timing>
 </p:sld>
 </file>
 
@@ -16775,7 +16881,7 @@
           <a:p>
             <a:fld id="{7053BEFA-1175-F644-B249-7D41D72BD3FF}" type="datetime1">
               <a:rPr lang="en-US" smtClean="0"/>
-              <a:t>2/20/16</a:t>
+              <a:t>2/23/16</a:t>
             </a:fld>
             <a:endParaRPr lang="en-US"/>
           </a:p>
@@ -16861,6 +16967,13 @@
   <p:clrMapOvr>
     <a:masterClrMapping/>
   </p:clrMapOvr>
+  <p:timing>
+    <p:tnLst>
+      <p:par>
+        <p:cTn xmlns:p14="http://schemas.microsoft.com/office/powerpoint/2010/main" id="1" dur="indefinite" restart="never" nodeType="tmRoot"/>
+      </p:par>
+    </p:tnLst>
+  </p:timing>
 </p:sld>
 </file>
 
@@ -17006,7 +17119,7 @@
           <a:p>
             <a:fld id="{7053BEFA-1175-F644-B249-7D41D72BD3FF}" type="datetime1">
               <a:rPr lang="en-US" smtClean="0"/>
-              <a:t>2/20/16</a:t>
+              <a:t>2/23/16</a:t>
             </a:fld>
             <a:endParaRPr lang="en-US"/>
           </a:p>
@@ -17187,6 +17300,13 @@
   <p:clrMapOvr>
     <a:masterClrMapping/>
   </p:clrMapOvr>
+  <p:timing>
+    <p:tnLst>
+      <p:par>
+        <p:cTn xmlns:p14="http://schemas.microsoft.com/office/powerpoint/2010/main" id="1" dur="indefinite" restart="never" nodeType="tmRoot"/>
+      </p:par>
+    </p:tnLst>
+  </p:timing>
 </p:sld>
 </file>
 
@@ -17247,7 +17367,7 @@
           <a:p>
             <a:fld id="{7053BEFA-1175-F644-B249-7D41D72BD3FF}" type="datetime1">
               <a:rPr lang="en-US" smtClean="0"/>
-              <a:t>2/20/16</a:t>
+              <a:t>2/23/16</a:t>
             </a:fld>
             <a:endParaRPr lang="en-US"/>
           </a:p>
@@ -18195,7 +18315,7 @@
           <a:p>
             <a:fld id="{7053BEFA-1175-F644-B249-7D41D72BD3FF}" type="datetime1">
               <a:rPr lang="en-US" smtClean="0"/>
-              <a:t>2/20/16</a:t>
+              <a:t>2/23/16</a:t>
             </a:fld>
             <a:endParaRPr lang="en-US"/>
           </a:p>
@@ -18585,7 +18705,7 @@
           <a:p>
             <a:fld id="{7053BEFA-1175-F644-B249-7D41D72BD3FF}" type="datetime1">
               <a:rPr lang="en-US" smtClean="0"/>
-              <a:t>2/20/16</a:t>
+              <a:t>2/23/16</a:t>
             </a:fld>
             <a:endParaRPr lang="en-US"/>
           </a:p>
@@ -18834,7 +18954,7 @@
           <a:p>
             <a:fld id="{7053BEFA-1175-F644-B249-7D41D72BD3FF}" type="datetime1">
               <a:rPr lang="en-US" smtClean="0"/>
-              <a:t>2/20/16</a:t>
+              <a:t>2/23/16</a:t>
             </a:fld>
             <a:endParaRPr lang="en-US"/>
           </a:p>
@@ -19238,7 +19358,7 @@
           <a:p>
             <a:fld id="{7053BEFA-1175-F644-B249-7D41D72BD3FF}" type="datetime1">
               <a:rPr lang="en-US" smtClean="0"/>
-              <a:t>2/20/16</a:t>
+              <a:t>2/23/16</a:t>
             </a:fld>
             <a:endParaRPr lang="en-US"/>
           </a:p>
@@ -19658,7 +19778,7 @@
           <a:p>
             <a:fld id="{7053BEFA-1175-F644-B249-7D41D72BD3FF}" type="datetime1">
               <a:rPr lang="en-US" smtClean="0"/>
-              <a:t>2/20/16</a:t>
+              <a:t>2/23/16</a:t>
             </a:fld>
             <a:endParaRPr lang="en-US"/>
           </a:p>
@@ -20065,7 +20185,7 @@
           <a:p>
             <a:fld id="{7053BEFA-1175-F644-B249-7D41D72BD3FF}" type="datetime1">
               <a:rPr lang="en-US" smtClean="0"/>
-              <a:t>2/20/16</a:t>
+              <a:t>2/23/16</a:t>
             </a:fld>
             <a:endParaRPr lang="en-US"/>
           </a:p>
@@ -20497,7 +20617,7 @@
           <a:p>
             <a:fld id="{7053BEFA-1175-F644-B249-7D41D72BD3FF}" type="datetime1">
               <a:rPr lang="en-US" smtClean="0"/>
-              <a:t>2/20/16</a:t>
+              <a:t>2/23/16</a:t>
             </a:fld>
             <a:endParaRPr lang="en-US"/>
           </a:p>
@@ -20931,7 +21051,7 @@
           <a:p>
             <a:fld id="{7053BEFA-1175-F644-B249-7D41D72BD3FF}" type="datetime1">
               <a:rPr lang="en-US" smtClean="0"/>
-              <a:t>2/20/16</a:t>
+              <a:t>2/23/16</a:t>
             </a:fld>
             <a:endParaRPr lang="en-US"/>
           </a:p>
@@ -21404,7 +21524,7 @@
           <a:p>
             <a:fld id="{7053BEFA-1175-F644-B249-7D41D72BD3FF}" type="datetime1">
               <a:rPr lang="en-US" smtClean="0"/>
-              <a:t>2/20/16</a:t>
+              <a:t>2/23/16</a:t>
             </a:fld>
             <a:endParaRPr lang="en-US"/>
           </a:p>
@@ -21830,7 +21950,7 @@
           <a:p>
             <a:fld id="{7053BEFA-1175-F644-B249-7D41D72BD3FF}" type="datetime1">
               <a:rPr lang="en-US" smtClean="0"/>
-              <a:t>2/20/16</a:t>
+              <a:t>2/23/16</a:t>
             </a:fld>
             <a:endParaRPr lang="en-US"/>
           </a:p>
@@ -22197,7 +22317,7 @@
           <a:p>
             <a:fld id="{7053BEFA-1175-F644-B249-7D41D72BD3FF}" type="datetime1">
               <a:rPr lang="en-US" smtClean="0"/>
-              <a:t>2/20/16</a:t>
+              <a:t>2/23/16</a:t>
             </a:fld>
             <a:endParaRPr lang="en-US"/>
           </a:p>
@@ -23486,7 +23606,7 @@
           <a:p>
             <a:fld id="{7053BEFA-1175-F644-B249-7D41D72BD3FF}" type="datetime1">
               <a:rPr lang="en-US" smtClean="0"/>
-              <a:t>2/20/16</a:t>
+              <a:t>2/23/16</a:t>
             </a:fld>
             <a:endParaRPr lang="en-US"/>
           </a:p>
@@ -23812,7 +23932,7 @@
           <a:p>
             <a:fld id="{7053BEFA-1175-F644-B249-7D41D72BD3FF}" type="datetime1">
               <a:rPr lang="en-US" smtClean="0"/>
-              <a:t>2/20/16</a:t>
+              <a:t>2/23/16</a:t>
             </a:fld>
             <a:endParaRPr lang="en-US"/>
           </a:p>
@@ -24030,7 +24150,7 @@
           <a:p>
             <a:fld id="{7053BEFA-1175-F644-B249-7D41D72BD3FF}" type="datetime1">
               <a:rPr lang="en-US" smtClean="0"/>
-              <a:t>2/20/16</a:t>
+              <a:t>2/23/16</a:t>
             </a:fld>
             <a:endParaRPr lang="en-US"/>
           </a:p>
@@ -24088,6 +24208,13 @@
   <p:clrMapOvr>
     <a:masterClrMapping/>
   </p:clrMapOvr>
+  <p:timing>
+    <p:tnLst>
+      <p:par>
+        <p:cTn xmlns:p14="http://schemas.microsoft.com/office/powerpoint/2010/main" id="1" dur="indefinite" restart="never" nodeType="tmRoot"/>
+      </p:par>
+    </p:tnLst>
+  </p:timing>
 </p:sld>
 </file>
 
@@ -24217,7 +24344,7 @@
           <a:p>
             <a:fld id="{7053BEFA-1175-F644-B249-7D41D72BD3FF}" type="datetime1">
               <a:rPr lang="en-US" smtClean="0"/>
-              <a:t>2/20/16</a:t>
+              <a:t>2/23/16</a:t>
             </a:fld>
             <a:endParaRPr lang="en-US"/>
           </a:p>
@@ -24286,6 +24413,13 @@
   <p:clrMapOvr>
     <a:masterClrMapping/>
   </p:clrMapOvr>
+  <p:timing>
+    <p:tnLst>
+      <p:par>
+        <p:cTn xmlns:p14="http://schemas.microsoft.com/office/powerpoint/2010/main" id="1" dur="indefinite" restart="never" nodeType="tmRoot"/>
+      </p:par>
+    </p:tnLst>
+  </p:timing>
 </p:sld>
 </file>
 
@@ -24415,7 +24549,7 @@
           <a:p>
             <a:fld id="{7053BEFA-1175-F644-B249-7D41D72BD3FF}" type="datetime1">
               <a:rPr lang="en-US" smtClean="0"/>
-              <a:t>2/20/16</a:t>
+              <a:t>2/23/16</a:t>
             </a:fld>
             <a:endParaRPr lang="en-US"/>
           </a:p>
@@ -24613,6 +24747,13 @@
   <p:clrMapOvr>
     <a:masterClrMapping/>
   </p:clrMapOvr>
+  <p:timing>
+    <p:tnLst>
+      <p:par>
+        <p:cTn xmlns:p14="http://schemas.microsoft.com/office/powerpoint/2010/main" id="1" dur="indefinite" restart="never" nodeType="tmRoot"/>
+      </p:par>
+    </p:tnLst>
+  </p:timing>
 </p:sld>
 </file>
 
@@ -24775,7 +24916,7 @@
           <a:p>
             <a:fld id="{7053BEFA-1175-F644-B249-7D41D72BD3FF}" type="datetime1">
               <a:rPr lang="en-US" smtClean="0"/>
-              <a:t>2/20/16</a:t>
+              <a:t>2/23/16</a:t>
             </a:fld>
             <a:endParaRPr lang="en-US"/>
           </a:p>
@@ -24844,6 +24985,13 @@
   <p:clrMapOvr>
     <a:masterClrMapping/>
   </p:clrMapOvr>
+  <p:timing>
+    <p:tnLst>
+      <p:par>
+        <p:cTn xmlns:p14="http://schemas.microsoft.com/office/powerpoint/2010/main" id="1" dur="indefinite" restart="never" nodeType="tmRoot"/>
+      </p:par>
+    </p:tnLst>
+  </p:timing>
 </p:sld>
 </file>
 
@@ -25012,7 +25160,7 @@
           <a:p>
             <a:fld id="{7053BEFA-1175-F644-B249-7D41D72BD3FF}" type="datetime1">
               <a:rPr lang="en-US" smtClean="0"/>
-              <a:t>2/20/16</a:t>
+              <a:t>2/23/16</a:t>
             </a:fld>
             <a:endParaRPr lang="en-US"/>
           </a:p>
@@ -25081,6 +25229,13 @@
   <p:clrMapOvr>
     <a:masterClrMapping/>
   </p:clrMapOvr>
+  <p:timing>
+    <p:tnLst>
+      <p:par>
+        <p:cTn xmlns:p14="http://schemas.microsoft.com/office/powerpoint/2010/main" id="1" dur="indefinite" restart="never" nodeType="tmRoot"/>
+      </p:par>
+    </p:tnLst>
+  </p:timing>
 </p:sld>
 </file>
 
@@ -25199,7 +25354,7 @@
           <a:p>
             <a:fld id="{7053BEFA-1175-F644-B249-7D41D72BD3FF}" type="datetime1">
               <a:rPr lang="en-US" smtClean="0"/>
-              <a:t>2/20/16</a:t>
+              <a:t>2/23/16</a:t>
             </a:fld>
             <a:endParaRPr lang="en-US"/>
           </a:p>
@@ -25460,7 +25615,7 @@
           <a:p>
             <a:fld id="{7053BEFA-1175-F644-B249-7D41D72BD3FF}" type="datetime1">
               <a:rPr lang="en-US" smtClean="0"/>
-              <a:t>2/20/16</a:t>
+              <a:t>2/23/16</a:t>
             </a:fld>
             <a:endParaRPr lang="en-US"/>
           </a:p>
@@ -25758,7 +25913,7 @@
           <a:p>
             <a:fld id="{7053BEFA-1175-F644-B249-7D41D72BD3FF}" type="datetime1">
               <a:rPr lang="en-US" smtClean="0"/>
-              <a:t>2/20/16</a:t>
+              <a:t>2/23/16</a:t>
             </a:fld>
             <a:endParaRPr lang="en-US"/>
           </a:p>
@@ -25985,7 +26140,7 @@
           <a:p>
             <a:fld id="{7053BEFA-1175-F644-B249-7D41D72BD3FF}" type="datetime1">
               <a:rPr lang="en-US" smtClean="0"/>
-              <a:t>2/20/16</a:t>
+              <a:t>2/23/16</a:t>
             </a:fld>
             <a:endParaRPr lang="en-US"/>
           </a:p>
@@ -27412,7 +27567,7 @@
           <a:p>
             <a:fld id="{7053BEFA-1175-F644-B249-7D41D72BD3FF}" type="datetime1">
               <a:rPr lang="en-US" smtClean="0"/>
-              <a:t>2/20/16</a:t>
+              <a:t>2/23/16</a:t>
             </a:fld>
             <a:endParaRPr lang="en-US"/>
           </a:p>
@@ -27622,7 +27777,7 @@
           <a:p>
             <a:fld id="{7053BEFA-1175-F644-B249-7D41D72BD3FF}" type="datetime1">
               <a:rPr lang="en-US" smtClean="0"/>
-              <a:t>2/20/16</a:t>
+              <a:t>2/23/16</a:t>
             </a:fld>
             <a:endParaRPr lang="en-US"/>
           </a:p>
@@ -27944,7 +28099,7 @@
           <a:p>
             <a:fld id="{7053BEFA-1175-F644-B249-7D41D72BD3FF}" type="datetime1">
               <a:rPr lang="en-US" smtClean="0"/>
-              <a:t>2/20/16</a:t>
+              <a:t>2/23/16</a:t>
             </a:fld>
             <a:endParaRPr lang="en-US"/>
           </a:p>
@@ -28400,7 +28555,7 @@
           <a:p>
             <a:fld id="{7053BEFA-1175-F644-B249-7D41D72BD3FF}" type="datetime1">
               <a:rPr lang="en-US" smtClean="0"/>
-              <a:t>2/20/16</a:t>
+              <a:t>2/23/16</a:t>
             </a:fld>
             <a:endParaRPr lang="en-US"/>
           </a:p>
@@ -28793,7 +28948,7 @@
           <a:p>
             <a:fld id="{7053BEFA-1175-F644-B249-7D41D72BD3FF}" type="datetime1">
               <a:rPr lang="en-US" smtClean="0"/>
-              <a:t>2/20/16</a:t>
+              <a:t>2/23/16</a:t>
             </a:fld>
             <a:endParaRPr lang="en-US"/>
           </a:p>
@@ -29186,7 +29341,7 @@
           <a:p>
             <a:fld id="{7053BEFA-1175-F644-B249-7D41D72BD3FF}" type="datetime1">
               <a:rPr lang="en-US" smtClean="0"/>
-              <a:t>2/20/16</a:t>
+              <a:t>2/23/16</a:t>
             </a:fld>
             <a:endParaRPr lang="en-US"/>
           </a:p>
@@ -29673,7 +29828,7 @@
           <a:p>
             <a:fld id="{7053BEFA-1175-F644-B249-7D41D72BD3FF}" type="datetime1">
               <a:rPr lang="en-US" smtClean="0"/>
-              <a:t>2/20/16</a:t>
+              <a:t>2/23/16</a:t>
             </a:fld>
             <a:endParaRPr lang="en-US"/>
           </a:p>
@@ -30160,7 +30315,7 @@
           <a:p>
             <a:fld id="{7053BEFA-1175-F644-B249-7D41D72BD3FF}" type="datetime1">
               <a:rPr lang="en-US" smtClean="0"/>
-              <a:t>2/20/16</a:t>
+              <a:t>2/23/16</a:t>
             </a:fld>
             <a:endParaRPr lang="en-US"/>
           </a:p>
@@ -30655,7 +30810,7 @@
           <a:p>
             <a:fld id="{7053BEFA-1175-F644-B249-7D41D72BD3FF}" type="datetime1">
               <a:rPr lang="en-US" smtClean="0"/>
-              <a:t>2/20/16</a:t>
+              <a:t>2/23/16</a:t>
             </a:fld>
             <a:endParaRPr lang="en-US"/>
           </a:p>
@@ -31142,7 +31297,7 @@
           <a:p>
             <a:fld id="{7053BEFA-1175-F644-B249-7D41D72BD3FF}" type="datetime1">
               <a:rPr lang="en-US" smtClean="0"/>
-              <a:t>2/20/16</a:t>
+              <a:t>2/23/16</a:t>
             </a:fld>
             <a:endParaRPr lang="en-US"/>
           </a:p>
@@ -31369,7 +31524,7 @@
           <a:p>
             <a:fld id="{7053BEFA-1175-F644-B249-7D41D72BD3FF}" type="datetime1">
               <a:rPr lang="en-US" smtClean="0"/>
-              <a:t>2/20/16</a:t>
+              <a:t>2/23/16</a:t>
             </a:fld>
             <a:endParaRPr lang="en-US"/>
           </a:p>
@@ -32611,7 +32766,7 @@
           <a:p>
             <a:fld id="{7053BEFA-1175-F644-B249-7D41D72BD3FF}" type="datetime1">
               <a:rPr lang="en-US" smtClean="0"/>
-              <a:t>2/20/16</a:t>
+              <a:t>2/23/16</a:t>
             </a:fld>
             <a:endParaRPr lang="en-US"/>
           </a:p>
@@ -33098,7 +33253,7 @@
           <a:p>
             <a:fld id="{7053BEFA-1175-F644-B249-7D41D72BD3FF}" type="datetime1">
               <a:rPr lang="en-US" smtClean="0"/>
-              <a:t>2/20/16</a:t>
+              <a:t>2/23/16</a:t>
             </a:fld>
             <a:endParaRPr lang="en-US"/>
           </a:p>
@@ -33350,7 +33505,7 @@
           <a:p>
             <a:fld id="{7053BEFA-1175-F644-B249-7D41D72BD3FF}" type="datetime1">
               <a:rPr lang="en-US" smtClean="0"/>
-              <a:t>2/20/16</a:t>
+              <a:t>2/23/16</a:t>
             </a:fld>
             <a:endParaRPr lang="en-US"/>
           </a:p>
@@ -33665,7 +33820,7 @@
           <a:p>
             <a:fld id="{7053BEFA-1175-F644-B249-7D41D72BD3FF}" type="datetime1">
               <a:rPr lang="en-US" smtClean="0"/>
-              <a:t>2/20/16</a:t>
+              <a:t>2/23/16</a:t>
             </a:fld>
             <a:endParaRPr lang="en-US"/>
           </a:p>
@@ -33988,7 +34143,7 @@
           <a:p>
             <a:fld id="{7053BEFA-1175-F644-B249-7D41D72BD3FF}" type="datetime1">
               <a:rPr lang="en-US" smtClean="0"/>
-              <a:t>2/20/16</a:t>
+              <a:t>2/23/16</a:t>
             </a:fld>
             <a:endParaRPr lang="en-US"/>
           </a:p>
@@ -34445,7 +34600,7 @@
           <a:p>
             <a:fld id="{7053BEFA-1175-F644-B249-7D41D72BD3FF}" type="datetime1">
               <a:rPr lang="en-US" smtClean="0"/>
-              <a:t>2/20/16</a:t>
+              <a:t>2/23/16</a:t>
             </a:fld>
             <a:endParaRPr lang="en-US"/>
           </a:p>
@@ -34960,7 +35115,7 @@
           <a:p>
             <a:fld id="{7053BEFA-1175-F644-B249-7D41D72BD3FF}" type="datetime1">
               <a:rPr lang="en-US" smtClean="0"/>
-              <a:t>2/20/16</a:t>
+              <a:t>2/23/16</a:t>
             </a:fld>
             <a:endParaRPr lang="en-US"/>
           </a:p>
@@ -35479,7 +35634,7 @@
           <a:p>
             <a:fld id="{7053BEFA-1175-F644-B249-7D41D72BD3FF}" type="datetime1">
               <a:rPr lang="en-US" smtClean="0"/>
-              <a:t>2/20/16</a:t>
+              <a:t>2/23/16</a:t>
             </a:fld>
             <a:endParaRPr lang="en-US"/>
           </a:p>
@@ -35880,7 +36035,7 @@
           <a:p>
             <a:fld id="{7053BEFA-1175-F644-B249-7D41D72BD3FF}" type="datetime1">
               <a:rPr lang="en-US" smtClean="0"/>
-              <a:t>2/20/16</a:t>
+              <a:t>2/23/16</a:t>
             </a:fld>
             <a:endParaRPr lang="en-US"/>
           </a:p>
@@ -36379,7 +36534,7 @@
           <a:p>
             <a:fld id="{7053BEFA-1175-F644-B249-7D41D72BD3FF}" type="datetime1">
               <a:rPr lang="en-US" smtClean="0"/>
-              <a:t>2/20/16</a:t>
+              <a:t>2/23/16</a:t>
             </a:fld>
             <a:endParaRPr lang="en-US"/>
           </a:p>
@@ -36788,7 +36943,7 @@
           <a:p>
             <a:fld id="{7053BEFA-1175-F644-B249-7D41D72BD3FF}" type="datetime1">
               <a:rPr lang="en-US" smtClean="0"/>
-              <a:t>2/20/16</a:t>
+              <a:t>2/23/16</a:t>
             </a:fld>
             <a:endParaRPr lang="en-US"/>
           </a:p>
@@ -37473,7 +37628,7 @@
           <a:p>
             <a:fld id="{7053BEFA-1175-F644-B249-7D41D72BD3FF}" type="datetime1">
               <a:rPr lang="en-US" smtClean="0"/>
-              <a:t>2/20/16</a:t>
+              <a:t>2/23/16</a:t>
             </a:fld>
             <a:endParaRPr lang="en-US"/>
           </a:p>
@@ -37968,7 +38123,7 @@
           <a:p>
             <a:fld id="{7053BEFA-1175-F644-B249-7D41D72BD3FF}" type="datetime1">
               <a:rPr lang="en-US" smtClean="0"/>
-              <a:t>2/20/16</a:t>
+              <a:t>2/23/16</a:t>
             </a:fld>
             <a:endParaRPr lang="en-US"/>
           </a:p>
@@ -38455,7 +38610,7 @@
           <a:p>
             <a:fld id="{7053BEFA-1175-F644-B249-7D41D72BD3FF}" type="datetime1">
               <a:rPr lang="en-US" smtClean="0"/>
-              <a:t>2/20/16</a:t>
+              <a:t>2/23/16</a:t>
             </a:fld>
             <a:endParaRPr lang="en-US"/>
           </a:p>
@@ -38674,7 +38829,7 @@
           <a:p>
             <a:fld id="{7053BEFA-1175-F644-B249-7D41D72BD3FF}" type="datetime1">
               <a:rPr lang="en-US" smtClean="0"/>
-              <a:t>2/20/16</a:t>
+              <a:t>2/23/16</a:t>
             </a:fld>
             <a:endParaRPr lang="en-US"/>
           </a:p>
@@ -38863,7 +39018,7 @@
           <a:p>
             <a:fld id="{7053BEFA-1175-F644-B249-7D41D72BD3FF}" type="datetime1">
               <a:rPr lang="en-US" smtClean="0"/>
-              <a:t>2/20/16</a:t>
+              <a:t>2/23/16</a:t>
             </a:fld>
             <a:endParaRPr lang="en-US"/>
           </a:p>
@@ -39203,7 +39358,7 @@
           <a:p>
             <a:fld id="{7053BEFA-1175-F644-B249-7D41D72BD3FF}" type="datetime1">
               <a:rPr lang="en-US" smtClean="0"/>
-              <a:t>2/20/16</a:t>
+              <a:t>2/23/16</a:t>
             </a:fld>
             <a:endParaRPr lang="en-US"/>
           </a:p>
@@ -39272,6 +39427,13 @@
   <p:clrMapOvr>
     <a:masterClrMapping/>
   </p:clrMapOvr>
+  <p:timing>
+    <p:tnLst>
+      <p:par>
+        <p:cTn xmlns:p14="http://schemas.microsoft.com/office/powerpoint/2010/main" id="1" dur="indefinite" restart="never" nodeType="tmRoot"/>
+      </p:par>
+    </p:tnLst>
+  </p:timing>
 </p:sld>
 </file>
 
@@ -39546,7 +39708,7 @@
           <a:p>
             <a:fld id="{7053BEFA-1175-F644-B249-7D41D72BD3FF}" type="datetime1">
               <a:rPr lang="en-US" smtClean="0"/>
-              <a:t>2/20/16</a:t>
+              <a:t>2/23/16</a:t>
             </a:fld>
             <a:endParaRPr lang="en-US"/>
           </a:p>
@@ -40111,7 +40273,7 @@
           <a:p>
             <a:fld id="{7053BEFA-1175-F644-B249-7D41D72BD3FF}" type="datetime1">
               <a:rPr lang="en-US" smtClean="0"/>
-              <a:t>2/20/16</a:t>
+              <a:t>2/23/16</a:t>
             </a:fld>
             <a:endParaRPr lang="en-US"/>
           </a:p>
